--- a/Presentación Proyecto MBIT.pptx
+++ b/Presentación Proyecto MBIT.pptx
@@ -5,7 +5,7 @@
     <p:sldMasterId id="2147483648" r:id="rId4"/>
   </p:sldMasterIdLst>
   <p:notesMasterIdLst>
-    <p:notesMasterId r:id="rId13"/>
+    <p:notesMasterId r:id="rId14"/>
   </p:notesMasterIdLst>
   <p:sldIdLst>
     <p:sldId id="256" r:id="rId5"/>
@@ -13,9 +13,10 @@
     <p:sldId id="258" r:id="rId7"/>
     <p:sldId id="259" r:id="rId8"/>
     <p:sldId id="260" r:id="rId9"/>
-    <p:sldId id="261" r:id="rId10"/>
-    <p:sldId id="262" r:id="rId11"/>
-    <p:sldId id="263" r:id="rId12"/>
+    <p:sldId id="264" r:id="rId10"/>
+    <p:sldId id="261" r:id="rId11"/>
+    <p:sldId id="262" r:id="rId12"/>
+    <p:sldId id="263" r:id="rId13"/>
   </p:sldIdLst>
   <p:sldSz cx="9144000" cy="6858000" type="screen4x3"/>
   <p:notesSz cx="6858000" cy="9144000"/>
@@ -229,7 +230,7 @@
           <a:p>
             <a:fld id="{B6D795B5-C54B-4F69-8062-41456A80E4F4}" type="datetimeFigureOut">
               <a:rPr lang="es-ES" smtClean="0"/>
-              <a:t>09/12/2021</a:t>
+              <a:t>15/12/2021</a:t>
             </a:fld>
             <a:endParaRPr lang="es-ES"/>
           </a:p>
@@ -2004,7 +2005,7 @@
           <a:p>
             <a:fld id="{50F4194F-445F-4EAC-BABF-BB1345C866F4}" type="datetimeFigureOut">
               <a:rPr lang="es-ES" smtClean="0"/>
-              <a:t>09/12/2021</a:t>
+              <a:t>15/12/2021</a:t>
             </a:fld>
             <a:endParaRPr lang="es-ES"/>
           </a:p>
@@ -2443,7 +2444,7 @@
                 <a:ea typeface="+mj-ea"/>
                 <a:cs typeface="Leelawadee" panose="020B0502040204020203" pitchFamily="34" charset="-34"/>
               </a:rPr>
-              <a:t>Predicción y visualización de </a:t>
+              <a:t>Predicción de </a:t>
             </a:r>
             <a:r>
               <a:rPr lang="es-ES" sz="3600" dirty="0" err="1">
@@ -3112,7 +3113,7 @@
         <p:spPr>
           <a:xfrm>
             <a:off x="474444" y="1772816"/>
-            <a:ext cx="7128792" cy="1754326"/>
+            <a:ext cx="7128792" cy="1446550"/>
           </a:xfrm>
           <a:prstGeom prst="rect">
             <a:avLst/>
@@ -3131,76 +3132,58 @@
                   <a:srgbClr val="00B0F0"/>
                 </a:solidFill>
               </a:rPr>
-              <a:t>Demo</a:t>
-            </a:r>
-          </a:p>
-          <a:p>
+              <a:t>Objetivos</a:t>
+            </a:r>
+          </a:p>
+          <a:p>
+            <a:pPr marL="342900" indent="-342900">
+              <a:buFontTx/>
+              <a:buChar char="-"/>
+            </a:pPr>
             <a:r>
               <a:rPr lang="es-ES" sz="2000" dirty="0"/>
-              <a:t>Se ha creado un prototipo de predicción de </a:t>
+              <a:t>Generar un </a:t>
+            </a:r>
+            <a:r>
+              <a:rPr lang="es-ES" sz="2000" dirty="0" err="1"/>
+              <a:t>dataset</a:t>
+            </a:r>
+            <a:r>
+              <a:rPr lang="es-ES" sz="2000" dirty="0"/>
+              <a:t> artificial a mano</a:t>
+            </a:r>
+          </a:p>
+          <a:p>
+            <a:pPr marL="342900" indent="-342900">
+              <a:buFontTx/>
+              <a:buChar char="-"/>
+            </a:pPr>
+            <a:r>
+              <a:rPr lang="es-ES" sz="2000" dirty="0"/>
+              <a:t>Crear un modelo de predicción de </a:t>
             </a:r>
             <a:r>
               <a:rPr lang="es-ES" sz="2000" dirty="0" err="1"/>
               <a:t>ODS’s</a:t>
             </a:r>
+            <a:endParaRPr lang="es-ES" sz="2000" dirty="0"/>
+          </a:p>
+          <a:p>
+            <a:pPr marL="342900" indent="-342900">
+              <a:buFontTx/>
+              <a:buChar char="-"/>
+            </a:pPr>
             <a:r>
               <a:rPr lang="es-ES" sz="2000" dirty="0"/>
-              <a:t> para ilustrar el funcionamiento.</a:t>
-            </a:r>
-          </a:p>
-          <a:p>
-            <a:endParaRPr lang="es-ES" sz="2000" dirty="0"/>
-          </a:p>
-          <a:p>
-            <a:r>
-              <a:rPr lang="es-ES" sz="2000" dirty="0"/>
-              <a:t>Se ha usado la herramienta de visualización </a:t>
-            </a:r>
-            <a:r>
-              <a:rPr lang="es-ES" sz="2000" dirty="0" err="1"/>
-              <a:t>Dash</a:t>
-            </a:r>
-            <a:r>
-              <a:rPr lang="es-ES" sz="2000" dirty="0"/>
-              <a:t> de Python.</a:t>
+              <a:t>Conectar este modelo con la aplicación</a:t>
             </a:r>
           </a:p>
         </p:txBody>
       </p:sp>
-      <p:pic>
-        <p:nvPicPr>
-          <p:cNvPr id="5" name="Picture 4">
-            <a:extLst>
-              <a:ext uri="{FF2B5EF4-FFF2-40B4-BE49-F238E27FC236}">
-                <a16:creationId xmlns:a16="http://schemas.microsoft.com/office/drawing/2014/main" id="{9999341B-78DB-496C-8E59-D9A98AFF514B}"/>
-              </a:ext>
-            </a:extLst>
-          </p:cNvPr>
-          <p:cNvPicPr>
-            <a:picLocks noChangeAspect="1"/>
-          </p:cNvPicPr>
-          <p:nvPr/>
-        </p:nvPicPr>
-        <p:blipFill>
-          <a:blip r:embed="rId2"/>
-          <a:stretch>
-            <a:fillRect/>
-          </a:stretch>
-        </p:blipFill>
-        <p:spPr>
-          <a:xfrm>
-            <a:off x="1835696" y="3645024"/>
-            <a:ext cx="5830298" cy="2926963"/>
-          </a:xfrm>
-          <a:prstGeom prst="rect">
-            <a:avLst/>
-          </a:prstGeom>
-        </p:spPr>
-      </p:pic>
     </p:spTree>
     <p:extLst>
       <p:ext uri="{BB962C8B-B14F-4D97-AF65-F5344CB8AC3E}">
-        <p14:creationId xmlns:p14="http://schemas.microsoft.com/office/powerpoint/2010/main" val="1624928004"/>
+        <p14:creationId xmlns:p14="http://schemas.microsoft.com/office/powerpoint/2010/main" val="3196477090"/>
       </p:ext>
     </p:extLst>
   </p:cSld>
@@ -3270,8 +3253,8 @@
         </p:nvSpPr>
         <p:spPr>
           <a:xfrm>
-            <a:off x="467544" y="1772816"/>
-            <a:ext cx="7128792" cy="4339650"/>
+            <a:off x="474444" y="1772816"/>
+            <a:ext cx="7128792" cy="1754326"/>
           </a:xfrm>
           <a:prstGeom prst="rect">
             <a:avLst/>
@@ -3290,108 +3273,76 @@
                   <a:srgbClr val="00B0F0"/>
                 </a:solidFill>
               </a:rPr>
-              <a:t>Retos</a:t>
-            </a:r>
-          </a:p>
-          <a:p>
-            <a:pPr marL="457200" indent="-457200">
-              <a:buFont typeface="Wingdings" panose="05000000000000000000" pitchFamily="2" charset="2"/>
-              <a:buChar char="q"/>
-            </a:pPr>
+              <a:t>Demo</a:t>
+            </a:r>
+          </a:p>
+          <a:p>
             <a:r>
               <a:rPr lang="es-ES" sz="2000" dirty="0"/>
-              <a:t>Los </a:t>
+              <a:t>Se ha creado un prototipo de predicción de </a:t>
             </a:r>
             <a:r>
               <a:rPr lang="es-ES" sz="2000" dirty="0" err="1"/>
-              <a:t>datasets</a:t>
-            </a:r>
+              <a:t>ODS’s</a:t>
+            </a:r>
+            <a:r>
+              <a:rPr lang="es-ES" sz="2000" dirty="0"/>
+              <a:t> para ilustrar el funcionamiento.</a:t>
+            </a:r>
+          </a:p>
+          <a:p>
             <a:endParaRPr lang="es-ES" sz="2000" dirty="0"/>
           </a:p>
           <a:p>
             <a:r>
               <a:rPr lang="es-ES" sz="2000" dirty="0"/>
-              <a:t>         - </a:t>
+              <a:t>Se ha usado la herramienta de visualización </a:t>
             </a:r>
             <a:r>
               <a:rPr lang="es-ES" sz="2000" dirty="0" err="1"/>
-              <a:t>Dataset</a:t>
+              <a:t>Dash</a:t>
             </a:r>
             <a:r>
               <a:rPr lang="es-ES" sz="2000" dirty="0"/>
-              <a:t> compartido por la empresa</a:t>
-            </a:r>
-          </a:p>
-          <a:p>
-            <a:r>
-              <a:rPr lang="es-ES" sz="2000" dirty="0"/>
-              <a:t>         - </a:t>
-            </a:r>
-            <a:r>
-              <a:rPr lang="es-ES" sz="2000" dirty="0" err="1"/>
-              <a:t>Dataset</a:t>
-            </a:r>
-            <a:r>
-              <a:rPr lang="es-ES" sz="2000" dirty="0"/>
-              <a:t> artificial</a:t>
-            </a:r>
-          </a:p>
-          <a:p>
-            <a:endParaRPr lang="es-ES" sz="2000" dirty="0"/>
-          </a:p>
-          <a:p>
-            <a:pPr marL="457200" indent="-457200">
-              <a:buFont typeface="Wingdings" panose="05000000000000000000" pitchFamily="2" charset="2"/>
-              <a:buChar char="q"/>
-            </a:pPr>
-            <a:r>
-              <a:rPr lang="es-ES" sz="2000" dirty="0"/>
-              <a:t>El idioma</a:t>
-            </a:r>
-          </a:p>
-          <a:p>
-            <a:r>
-              <a:rPr lang="es-ES" sz="2000" dirty="0"/>
-              <a:t>         - Primera aproximación</a:t>
-            </a:r>
-          </a:p>
-          <a:p>
-            <a:r>
-              <a:rPr lang="es-ES" sz="2000" dirty="0"/>
-              <a:t>         - Solución final</a:t>
-            </a:r>
-          </a:p>
-          <a:p>
-            <a:endParaRPr lang="es-ES" sz="2000" dirty="0"/>
-          </a:p>
-          <a:p>
-            <a:r>
-              <a:rPr lang="es-ES" sz="2800" dirty="0">
-                <a:solidFill>
-                  <a:srgbClr val="00B0F0"/>
-                </a:solidFill>
-              </a:rPr>
-              <a:t>Escalabilidad</a:t>
-            </a:r>
-          </a:p>
-          <a:p>
-            <a:r>
-              <a:rPr lang="es-ES" sz="2000" dirty="0"/>
-              <a:t>Con más tiempo y más datos, este proyecto se podría escalar a unos altos niveles mediante el uso de plataformas Cloud.</a:t>
-            </a:r>
-          </a:p>
-          <a:p>
-            <a:r>
-              <a:rPr lang="es-ES" sz="2000" dirty="0"/>
-              <a:t>En la memoria existe una propuesta para escalar este proyecto</a:t>
+              <a:t> de Python.</a:t>
             </a:r>
           </a:p>
         </p:txBody>
       </p:sp>
+      <p:pic>
+        <p:nvPicPr>
+          <p:cNvPr id="5" name="Picture 4">
+            <a:extLst>
+              <a:ext uri="{FF2B5EF4-FFF2-40B4-BE49-F238E27FC236}">
+                <a16:creationId xmlns:a16="http://schemas.microsoft.com/office/drawing/2014/main" id="{9999341B-78DB-496C-8E59-D9A98AFF514B}"/>
+              </a:ext>
+            </a:extLst>
+          </p:cNvPr>
+          <p:cNvPicPr>
+            <a:picLocks noChangeAspect="1"/>
+          </p:cNvPicPr>
+          <p:nvPr/>
+        </p:nvPicPr>
+        <p:blipFill>
+          <a:blip r:embed="rId2"/>
+          <a:stretch>
+            <a:fillRect/>
+          </a:stretch>
+        </p:blipFill>
+        <p:spPr>
+          <a:xfrm>
+            <a:off x="1835696" y="3645024"/>
+            <a:ext cx="5830298" cy="2926963"/>
+          </a:xfrm>
+          <a:prstGeom prst="rect">
+            <a:avLst/>
+          </a:prstGeom>
+        </p:spPr>
+      </p:pic>
     </p:spTree>
     <p:extLst>
       <p:ext uri="{BB962C8B-B14F-4D97-AF65-F5344CB8AC3E}">
-        <p14:creationId xmlns:p14="http://schemas.microsoft.com/office/powerpoint/2010/main" val="434403061"/>
+        <p14:creationId xmlns:p14="http://schemas.microsoft.com/office/powerpoint/2010/main" val="1624928004"/>
       </p:ext>
     </p:extLst>
   </p:cSld>
@@ -3442,7 +3393,7 @@
           <a:p>
             <a:r>
               <a:rPr lang="es-ES" sz="3200" dirty="0"/>
-              <a:t>Resultados</a:t>
+              <a:t>Proyecto</a:t>
             </a:r>
           </a:p>
         </p:txBody>
@@ -3462,7 +3413,7 @@
         <p:spPr>
           <a:xfrm>
             <a:off x="467544" y="1772816"/>
-            <a:ext cx="7128792" cy="1138773"/>
+            <a:ext cx="7128792" cy="4339650"/>
           </a:xfrm>
           <a:prstGeom prst="rect">
             <a:avLst/>
@@ -3481,13 +3432,208 @@
                   <a:srgbClr val="00B0F0"/>
                 </a:solidFill>
               </a:rPr>
+              <a:t>Retos</a:t>
+            </a:r>
+          </a:p>
+          <a:p>
+            <a:pPr marL="457200" indent="-457200">
+              <a:buFont typeface="Wingdings" panose="05000000000000000000" pitchFamily="2" charset="2"/>
+              <a:buChar char="q"/>
+            </a:pPr>
+            <a:r>
+              <a:rPr lang="es-ES" sz="2000" dirty="0"/>
+              <a:t>Los </a:t>
+            </a:r>
+            <a:r>
+              <a:rPr lang="es-ES" sz="2000" dirty="0" err="1"/>
+              <a:t>datasets</a:t>
+            </a:r>
+            <a:endParaRPr lang="es-ES" sz="2000" dirty="0"/>
+          </a:p>
+          <a:p>
+            <a:r>
+              <a:rPr lang="es-ES" sz="2000" dirty="0"/>
+              <a:t>         - </a:t>
+            </a:r>
+            <a:r>
+              <a:rPr lang="es-ES" sz="2000" dirty="0" err="1"/>
+              <a:t>Dataset</a:t>
+            </a:r>
+            <a:r>
+              <a:rPr lang="es-ES" sz="2000" dirty="0"/>
+              <a:t> compartido por la empresa</a:t>
+            </a:r>
+          </a:p>
+          <a:p>
+            <a:r>
+              <a:rPr lang="es-ES" sz="2000" dirty="0"/>
+              <a:t>         - </a:t>
+            </a:r>
+            <a:r>
+              <a:rPr lang="es-ES" sz="2000" dirty="0" err="1"/>
+              <a:t>Dataset</a:t>
+            </a:r>
+            <a:r>
+              <a:rPr lang="es-ES" sz="2000" dirty="0"/>
+              <a:t> artificial</a:t>
+            </a:r>
+          </a:p>
+          <a:p>
+            <a:endParaRPr lang="es-ES" sz="2000" dirty="0"/>
+          </a:p>
+          <a:p>
+            <a:pPr marL="457200" indent="-457200">
+              <a:buFont typeface="Wingdings" panose="05000000000000000000" pitchFamily="2" charset="2"/>
+              <a:buChar char="q"/>
+            </a:pPr>
+            <a:r>
+              <a:rPr lang="es-ES" sz="2000" dirty="0"/>
+              <a:t>El idioma</a:t>
+            </a:r>
+          </a:p>
+          <a:p>
+            <a:r>
+              <a:rPr lang="es-ES" sz="2000" dirty="0"/>
+              <a:t>         - Primera aproximación</a:t>
+            </a:r>
+          </a:p>
+          <a:p>
+            <a:r>
+              <a:rPr lang="es-ES" sz="2000" dirty="0"/>
+              <a:t>         - Solución final</a:t>
+            </a:r>
+          </a:p>
+          <a:p>
+            <a:endParaRPr lang="es-ES" sz="2000" dirty="0"/>
+          </a:p>
+          <a:p>
+            <a:r>
+              <a:rPr lang="es-ES" sz="2800" dirty="0">
+                <a:solidFill>
+                  <a:srgbClr val="00B0F0"/>
+                </a:solidFill>
+              </a:rPr>
+              <a:t>Escalabilidad</a:t>
+            </a:r>
+          </a:p>
+          <a:p>
+            <a:r>
+              <a:rPr lang="es-ES" sz="2000" dirty="0"/>
+              <a:t>Con más tiempo y más datos, este proyecto se podría escalar a unos altos niveles mediante el uso de plataformas Cloud.</a:t>
+            </a:r>
+          </a:p>
+          <a:p>
+            <a:r>
+              <a:rPr lang="es-ES" sz="2000" dirty="0"/>
+              <a:t>En la memoria existe una propuesta para escalar este proyecto</a:t>
+            </a:r>
+          </a:p>
+        </p:txBody>
+      </p:sp>
+    </p:spTree>
+    <p:extLst>
+      <p:ext uri="{BB962C8B-B14F-4D97-AF65-F5344CB8AC3E}">
+        <p14:creationId xmlns:p14="http://schemas.microsoft.com/office/powerpoint/2010/main" val="434403061"/>
+      </p:ext>
+    </p:extLst>
+  </p:cSld>
+  <p:clrMapOvr>
+    <a:masterClrMapping/>
+  </p:clrMapOvr>
+</p:sld>
+</file>
+
+<file path=ppt/slides/slide9.xml><?xml version="1.0" encoding="utf-8"?>
+<p:sld xmlns:a="http://schemas.openxmlformats.org/drawingml/2006/main" xmlns:r="http://schemas.openxmlformats.org/officeDocument/2006/relationships" xmlns:p="http://schemas.openxmlformats.org/presentationml/2006/main">
+  <p:cSld>
+    <p:spTree>
+      <p:nvGrpSpPr>
+        <p:cNvPr id="1" name=""/>
+        <p:cNvGrpSpPr/>
+        <p:nvPr/>
+      </p:nvGrpSpPr>
+      <p:grpSpPr>
+        <a:xfrm>
+          <a:off x="0" y="0"/>
+          <a:ext cx="0" cy="0"/>
+          <a:chOff x="0" y="0"/>
+          <a:chExt cx="0" cy="0"/>
+        </a:xfrm>
+      </p:grpSpPr>
+      <p:sp>
+        <p:nvSpPr>
+          <p:cNvPr id="2" name="1 Título"/>
+          <p:cNvSpPr>
+            <a:spLocks noGrp="1"/>
+          </p:cNvSpPr>
+          <p:nvPr>
+            <p:ph type="title"/>
+          </p:nvPr>
+        </p:nvSpPr>
+        <p:spPr>
+          <a:xfrm>
+            <a:off x="467544" y="404664"/>
+            <a:ext cx="6851104" cy="1143000"/>
+          </a:xfrm>
+        </p:spPr>
+        <p:txBody>
+          <a:bodyPr>
+            <a:normAutofit/>
+          </a:bodyPr>
+          <a:lstStyle/>
+          <a:p>
+            <a:r>
+              <a:rPr lang="es-ES" sz="3200" dirty="0"/>
+              <a:t>Resultados</a:t>
+            </a:r>
+          </a:p>
+        </p:txBody>
+      </p:sp>
+      <p:sp>
+        <p:nvSpPr>
+          <p:cNvPr id="3" name="TextBox 2">
+            <a:extLst>
+              <a:ext uri="{FF2B5EF4-FFF2-40B4-BE49-F238E27FC236}">
+                <a16:creationId xmlns:a16="http://schemas.microsoft.com/office/drawing/2014/main" id="{66B3D63F-9F9A-48AF-BF12-A3E9165A2BE8}"/>
+              </a:ext>
+            </a:extLst>
+          </p:cNvPr>
+          <p:cNvSpPr txBox="1"/>
+          <p:nvPr/>
+        </p:nvSpPr>
+        <p:spPr>
+          <a:xfrm>
+            <a:off x="467544" y="1772816"/>
+            <a:ext cx="7128792" cy="2677656"/>
+          </a:xfrm>
+          <a:prstGeom prst="rect">
+            <a:avLst/>
+          </a:prstGeom>
+          <a:noFill/>
+        </p:spPr>
+        <p:txBody>
+          <a:bodyPr wrap="square" rtlCol="0">
+            <a:spAutoFit/>
+          </a:bodyPr>
+          <a:lstStyle/>
+          <a:p>
+            <a:r>
+              <a:rPr lang="es-ES" sz="2800" dirty="0">
+                <a:solidFill>
+                  <a:srgbClr val="00B0F0"/>
+                </a:solidFill>
+              </a:rPr>
               <a:t>Rendimiento del modelo</a:t>
             </a:r>
           </a:p>
           <a:p>
+            <a:pPr marL="342900" indent="-342900">
+              <a:buFontTx/>
+              <a:buChar char="-"/>
+            </a:pPr>
             <a:r>
               <a:rPr lang="es-ES" sz="2000" dirty="0"/>
-              <a:t>Dado el pequeño número de comentarios, nuestro modelo pudo llegar a predecir más del 55% de </a:t>
+              <a:t>Dado el pequeño número de comentarios, nuestro modelo pudo llegar a predecir aproximadamente el 55% de </a:t>
             </a:r>
             <a:r>
               <a:rPr lang="es-ES" sz="2000" dirty="0" err="1"/>
@@ -3495,16 +3641,32 @@
             </a:r>
             <a:r>
               <a:rPr lang="es-ES" sz="2000" dirty="0"/>
-              <a:t> </a:t>
-            </a:r>
-            <a:r>
-              <a:rPr lang="es-ES" sz="2000" dirty="0" err="1"/>
-              <a:t>the</a:t>
-            </a:r>
+              <a:t> de entrenamiento.</a:t>
+            </a:r>
+          </a:p>
+          <a:p>
+            <a:pPr marL="342900" indent="-342900">
+              <a:buFontTx/>
+              <a:buChar char="-"/>
+            </a:pPr>
+            <a:endParaRPr lang="es-ES" sz="2000" dirty="0"/>
+          </a:p>
+          <a:p>
+            <a:pPr marL="342900" indent="-342900">
+              <a:buFontTx/>
+              <a:buChar char="-"/>
+            </a:pPr>
             <a:r>
               <a:rPr lang="es-ES" sz="2000" dirty="0"/>
-              <a:t> entrenamiento</a:t>
-            </a:r>
+              <a:t>En varias ocasiones, dada la baja probabilidad que arroja el modelo, el comentario no podrá ser etiquetado.</a:t>
+            </a:r>
+          </a:p>
+          <a:p>
+            <a:pPr marL="342900" indent="-342900">
+              <a:buFontTx/>
+              <a:buChar char="-"/>
+            </a:pPr>
+            <a:endParaRPr lang="es-ES" sz="2000" dirty="0"/>
           </a:p>
         </p:txBody>
       </p:sp>
@@ -4092,21 +4254,6 @@
 </file>
 
 <file path=customXml/item1.xml><?xml version="1.0" encoding="utf-8"?>
-<?mso-contentType ?>
-<FormTemplates xmlns="http://schemas.microsoft.com/sharepoint/v3/contenttype/forms">
-  <Display>DocumentLibraryForm</Display>
-  <Edit>DocumentLibraryForm</Edit>
-  <New>DocumentLibraryForm</New>
-</FormTemplates>
-</file>
-
-<file path=customXml/item2.xml><?xml version="1.0" encoding="utf-8"?>
-<p:properties xmlns:p="http://schemas.microsoft.com/office/2006/metadata/properties" xmlns:xsi="http://www.w3.org/2001/XMLSchema-instance" xmlns:pc="http://schemas.microsoft.com/office/infopath/2007/PartnerControls">
-  <documentManagement/>
-</p:properties>
-</file>
-
-<file path=customXml/item3.xml><?xml version="1.0" encoding="utf-8"?>
 <ct:contentTypeSchema xmlns:ct="http://schemas.microsoft.com/office/2006/metadata/contentType" xmlns:ma="http://schemas.microsoft.com/office/2006/metadata/properties/metaAttributes" ct:_="" ma:_="" ma:contentTypeName="Documento" ma:contentTypeID="0x010100400501992651DE4EB0DEA4B3D343D5F4" ma:contentTypeVersion="9" ma:contentTypeDescription="Crear nuevo documento." ma:contentTypeScope="" ma:versionID="443b479b0477292ebdf2372f3d293cbb">
   <xsd:schema xmlns:xsd="http://www.w3.org/2001/XMLSchema" xmlns:xs="http://www.w3.org/2001/XMLSchema" xmlns:p="http://schemas.microsoft.com/office/2006/metadata/properties" xmlns:ns2="29d32714-e227-4162-bbff-c68a3ee79e30" xmlns:ns3="2db78565-20bf-4bae-b234-0002247bb543" targetNamespace="http://schemas.microsoft.com/office/2006/metadata/properties" ma:root="true" ma:fieldsID="4237387832fd47831f2756b5f6285f6a" ns2:_="" ns3:_="">
     <xsd:import namespace="29d32714-e227-4162-bbff-c68a3ee79e30"/>
@@ -4303,10 +4450,36 @@
 </ct:contentTypeSchema>
 </file>
 
+<file path=customXml/item2.xml><?xml version="1.0" encoding="utf-8"?>
+<p:properties xmlns:p="http://schemas.microsoft.com/office/2006/metadata/properties" xmlns:xsi="http://www.w3.org/2001/XMLSchema-instance" xmlns:pc="http://schemas.microsoft.com/office/infopath/2007/PartnerControls">
+  <documentManagement/>
+</p:properties>
+</file>
+
+<file path=customXml/item3.xml><?xml version="1.0" encoding="utf-8"?>
+<?mso-contentType ?>
+<FormTemplates xmlns="http://schemas.microsoft.com/sharepoint/v3/contenttype/forms">
+  <Display>DocumentLibraryForm</Display>
+  <Edit>DocumentLibraryForm</Edit>
+  <New>DocumentLibraryForm</New>
+</FormTemplates>
+</file>
+
 <file path=customXml/itemProps1.xml><?xml version="1.0" encoding="utf-8"?>
-<ds:datastoreItem xmlns:ds="http://schemas.openxmlformats.org/officeDocument/2006/customXml" ds:itemID="{55D54BFF-B7D8-49C1-868C-F3348827C64C}">
+<ds:datastoreItem xmlns:ds="http://schemas.openxmlformats.org/officeDocument/2006/customXml" ds:itemID="{DAD1A96C-3DDD-4C4F-B2A9-0B5A5837B979}">
   <ds:schemaRefs>
-    <ds:schemaRef ds:uri="http://schemas.microsoft.com/sharepoint/v3/contenttype/forms"/>
+    <ds:schemaRef ds:uri="http://schemas.microsoft.com/office/2006/metadata/contentType"/>
+    <ds:schemaRef ds:uri="http://schemas.microsoft.com/office/2006/metadata/properties/metaAttributes"/>
+    <ds:schemaRef ds:uri="http://www.w3.org/2001/XMLSchema"/>
+    <ds:schemaRef ds:uri="http://schemas.microsoft.com/office/2006/metadata/properties"/>
+    <ds:schemaRef ds:uri="29d32714-e227-4162-bbff-c68a3ee79e30"/>
+    <ds:schemaRef ds:uri="2db78565-20bf-4bae-b234-0002247bb543"/>
+    <ds:schemaRef ds:uri="http://schemas.microsoft.com/office/2006/documentManagement/types"/>
+    <ds:schemaRef ds:uri="http://schemas.microsoft.com/office/infopath/2007/PartnerControls"/>
+    <ds:schemaRef ds:uri="http://schemas.openxmlformats.org/package/2006/metadata/core-properties"/>
+    <ds:schemaRef ds:uri="http://purl.org/dc/elements/1.1/"/>
+    <ds:schemaRef ds:uri="http://purl.org/dc/terms/"/>
+    <ds:schemaRef ds:uri="http://schemas.microsoft.com/internal/obd"/>
   </ds:schemaRefs>
 </ds:datastoreItem>
 </file>
@@ -4329,20 +4502,9 @@
 </file>
 
 <file path=customXml/itemProps3.xml><?xml version="1.0" encoding="utf-8"?>
-<ds:datastoreItem xmlns:ds="http://schemas.openxmlformats.org/officeDocument/2006/customXml" ds:itemID="{DAD1A96C-3DDD-4C4F-B2A9-0B5A5837B979}">
+<ds:datastoreItem xmlns:ds="http://schemas.openxmlformats.org/officeDocument/2006/customXml" ds:itemID="{55D54BFF-B7D8-49C1-868C-F3348827C64C}">
   <ds:schemaRefs>
-    <ds:schemaRef ds:uri="http://schemas.microsoft.com/office/2006/metadata/contentType"/>
-    <ds:schemaRef ds:uri="http://schemas.microsoft.com/office/2006/metadata/properties/metaAttributes"/>
-    <ds:schemaRef ds:uri="http://www.w3.org/2001/XMLSchema"/>
-    <ds:schemaRef ds:uri="http://schemas.microsoft.com/office/2006/metadata/properties"/>
-    <ds:schemaRef ds:uri="29d32714-e227-4162-bbff-c68a3ee79e30"/>
-    <ds:schemaRef ds:uri="2db78565-20bf-4bae-b234-0002247bb543"/>
-    <ds:schemaRef ds:uri="http://schemas.microsoft.com/office/2006/documentManagement/types"/>
-    <ds:schemaRef ds:uri="http://schemas.microsoft.com/office/infopath/2007/PartnerControls"/>
-    <ds:schemaRef ds:uri="http://schemas.openxmlformats.org/package/2006/metadata/core-properties"/>
-    <ds:schemaRef ds:uri="http://purl.org/dc/elements/1.1/"/>
-    <ds:schemaRef ds:uri="http://purl.org/dc/terms/"/>
-    <ds:schemaRef ds:uri="http://schemas.microsoft.com/internal/obd"/>
+    <ds:schemaRef ds:uri="http://schemas.microsoft.com/sharepoint/v3/contenttype/forms"/>
   </ds:schemaRefs>
 </ds:datastoreItem>
 </file>